--- a/Praxis/Advisor/Session 10/Wacey_Michael_Advising_Updated_Template_Apr_04_2025.pptx
+++ b/Praxis/Advisor/Session 10/Wacey_Michael_Advising_Updated_Template_Apr_04_2025.pptx
@@ -226,7 +226,7 @@
           <a:p>
             <a:fld id="{A6CF2B60-A650-A240-9969-3833CC7E6942}" type="datetimeFigureOut">
               <a:rPr lang="en-US" smtClean="0"/>
-              <a:t>3/20/2025</a:t>
+              <a:t>4/1/2025</a:t>
             </a:fld>
             <a:endParaRPr lang="en-US" dirty="0"/>
           </a:p>
@@ -996,7 +996,7 @@
           <a:p>
             <a:fld id="{FDCEE23A-51A8-43B8-99B9-69A09C80768C}" type="datetime1">
               <a:rPr lang="en-US" smtClean="0"/>
-              <a:t>3/20/2025</a:t>
+              <a:t>4/1/2025</a:t>
             </a:fld>
             <a:endParaRPr lang="en-US"/>
           </a:p>
@@ -24766,7 +24766,7 @@
         <p:spPr>
           <a:xfrm>
             <a:off x="260687" y="1861991"/>
-            <a:ext cx="5320603" cy="1384995"/>
+            <a:ext cx="6560041" cy="1384995"/>
           </a:xfrm>
           <a:prstGeom prst="rect">
             <a:avLst/>
@@ -24814,7 +24814,7 @@
                 <a:effectLst/>
                 <a:latin typeface="verdana" panose="020B0604030504040204" pitchFamily="34" charset="0"/>
               </a:rPr>
-              <a:t>You must submit Chapter 1 by February 15, 2025</a:t>
+              <a:t>You must submit Chapter 1 by February 15, 2025 (5 – 7 Pages)</a:t>
             </a:r>
           </a:p>
           <a:p>
@@ -24830,7 +24830,7 @@
                 <a:effectLst/>
                 <a:latin typeface="verdana" panose="020B0604030504040204" pitchFamily="34" charset="0"/>
               </a:rPr>
-              <a:t>You must submit Chapter 2 by May 1, 2025</a:t>
+              <a:t>You must submit Chapter 2 by May 1, 2025 (20 – 30 Pages)</a:t>
             </a:r>
           </a:p>
           <a:p>
@@ -24846,7 +24846,7 @@
                 <a:effectLst/>
                 <a:latin typeface="verdana" panose="020B0604030504040204" pitchFamily="34" charset="0"/>
               </a:rPr>
-              <a:t>You must submit Chapter 3 by July 1, 2025</a:t>
+              <a:t>You must submit Chapter 3 by July 1, 2025 (20 – 25 Pages)</a:t>
             </a:r>
           </a:p>
           <a:p>
@@ -24862,7 +24862,7 @@
                 <a:effectLst/>
                 <a:latin typeface="verdana" panose="020B0604030504040204" pitchFamily="34" charset="0"/>
               </a:rPr>
-              <a:t>You must submit Chapter 4 by October 15, 2025</a:t>
+              <a:t>You must submit Chapter 4 by October 15, 2025 (25 – 30 Pages)</a:t>
             </a:r>
           </a:p>
           <a:p>
@@ -24878,7 +24878,7 @@
                 <a:effectLst/>
                 <a:latin typeface="verdana" panose="020B0604030504040204" pitchFamily="34" charset="0"/>
               </a:rPr>
-              <a:t>You must submit Chapter 5 and complete praxis by November 1, 2025</a:t>
+              <a:t>You must submit Chapter 5 and complete praxis by November 1, 2025 (3 – 5 Pages)</a:t>
             </a:r>
           </a:p>
         </p:txBody>
@@ -24943,7 +24943,7 @@
           <a:p>
             <a:r>
               <a:rPr lang="en-US" dirty="0"/>
-              <a:t>I have focused on the project. There are several issues. But I need to switch back to research to get Chapter 2 done.</a:t>
+              <a:t>After a little more work on the project, I switched to Chapter 2.</a:t>
             </a:r>
           </a:p>
         </p:txBody>
@@ -25075,33 +25075,37 @@
         </p:spPr>
         <p:txBody>
           <a:bodyPr>
-            <a:normAutofit/>
+            <a:normAutofit fontScale="70000" lnSpcReduction="20000"/>
           </a:bodyPr>
           <a:lstStyle/>
           <a:p>
             <a:r>
               <a:rPr lang="en-US" dirty="0"/>
-              <a:t>I selected neo4J for long term storage.</a:t>
+              <a:t>I made several minor improvements to my code. My biggest issue right now is that the structure of the Knowledge Graph in JSON produced by the LLM is not consistent with the structure of Knowledge Graphs that neo4j supports.</a:t>
             </a:r>
           </a:p>
           <a:p>
             <a:r>
               <a:rPr lang="en-US" dirty="0"/>
-              <a:t>I have three stages, two are done.</a:t>
+              <a:t>But rather than solve this I changed focus to chapter 2.</a:t>
             </a:r>
           </a:p>
           <a:p>
             <a:r>
               <a:rPr lang="en-US" dirty="0"/>
-              <a:t>I have moved to a paid version of </a:t>
+              <a:t>My first step for Chapter 2 was to draft it and identify the citations that I need.</a:t>
             </a:r>
-            <a:r>
-              <a:rPr lang="en-US" dirty="0" err="1"/>
-              <a:t>Colab</a:t>
-            </a:r>
+          </a:p>
+          <a:p>
             <a:r>
               <a:rPr lang="en-US" dirty="0"/>
-              <a:t> under my personal account.</a:t>
+              <a:t>In doing this, I found there are numerous fundamental references that I do not have. For example, a paper that says that the window size of an LLM limits its ability analyze large documents.</a:t>
+            </a:r>
+          </a:p>
+          <a:p>
+            <a:r>
+              <a:rPr lang="en-US" dirty="0"/>
+              <a:t>I am currently searching for fundamental references.</a:t>
             </a:r>
           </a:p>
           <a:p>
@@ -25207,7 +25211,7 @@
         </p:spPr>
         <p:txBody>
           <a:bodyPr>
-            <a:normAutofit/>
+            <a:normAutofit fontScale="85000" lnSpcReduction="20000"/>
           </a:bodyPr>
           <a:lstStyle/>
           <a:p>
@@ -25219,8 +25223,23 @@
           <a:p>
             <a:r>
               <a:rPr lang="en-US" dirty="0"/>
-              <a:t>I need to resolve this</a:t>
+              <a:t>It is taking a long time to find fundamental sources.</a:t>
             </a:r>
+          </a:p>
+          <a:p>
+            <a:r>
+              <a:rPr lang="en-US" dirty="0" err="1"/>
+              <a:t>Refworks</a:t>
+            </a:r>
+            <a:r>
+              <a:rPr lang="en-US" dirty="0"/>
+              <a:t> can be tedious to work with. It does not create bibliography entries that work well with Overleaf / </a:t>
+            </a:r>
+            <a:r>
+              <a:rPr lang="en-US"/>
+              <a:t>the template.</a:t>
+            </a:r>
+            <a:endParaRPr lang="en-US" dirty="0"/>
           </a:p>
         </p:txBody>
       </p:sp>
@@ -25329,8 +25348,13 @@
             </a:pPr>
             <a:r>
               <a:rPr lang="en-US" sz="900" dirty="0"/>
-              <a:t>Focus on research</a:t>
+              <a:t>Focus on research </a:t>
             </a:r>
+            <a:r>
+              <a:rPr lang="en-US" sz="900"/>
+              <a:t>and chapter 2</a:t>
+            </a:r>
+            <a:endParaRPr lang="en-US" sz="900" dirty="0"/>
           </a:p>
           <a:p>
             <a:pPr marL="0" indent="0">
@@ -25347,13 +25371,8 @@
             </a:pPr>
             <a:r>
               <a:rPr lang="en-US" sz="900" dirty="0"/>
-              <a:t>Implement the third stage – reviewing entities and possibly changing their type </a:t>
+              <a:t>Implement the third stage – reviewing entities and possibly changing their type - stretch</a:t>
             </a:r>
-            <a:r>
-              <a:rPr lang="en-US" sz="900"/>
-              <a:t>- stretch</a:t>
-            </a:r>
-            <a:endParaRPr lang="en-US" sz="900" dirty="0"/>
           </a:p>
           <a:p>
             <a:pPr marL="0" indent="0">
